--- a/Pandas_slides.pptx
+++ b/Pandas_slides.pptx
@@ -30736,11 +30736,11 @@
   <p:clrMapOvr>
     <a:masterClrMapping/>
   </p:clrMapOvr>
-  <mc:AlternateContent xmlns:mc="http://schemas.openxmlformats.org/markup-compatibility/2006">
-    <mc:Choice xmlns:p14="http://schemas.microsoft.com/office/powerpoint/2010/main" Requires="p14">
+  <mc:AlternateContent xmlns:mc="http://schemas.openxmlformats.org/markup-compatibility/2006" xmlns:p14="http://schemas.microsoft.com/office/powerpoint/2010/main">
+    <mc:Choice Requires="p14">
       <p:transition p14:dur="0" advClick="0" advTm="5000"/>
     </mc:Choice>
-    <mc:Fallback>
+    <mc:Fallback xmlns="">
       <p:transition advClick="0" advTm="5000"/>
     </mc:Fallback>
   </mc:AlternateContent>
@@ -31005,7 +31005,6 @@
               <a:rPr lang="en-US" sz="3600" dirty="0" smtClean="0"/>
               <a:t>Kevin Bacon Game</a:t>
             </a:r>
-            <a:endParaRPr lang="en-US" sz="3600" dirty="0" smtClean="0"/>
           </a:p>
         </p:txBody>
       </p:sp>
@@ -31073,14 +31072,6 @@
               </a:rPr>
               <a:t>Movie buffs challenge each other to find the shortest path between an arbitrary actor and prolific actor Kevin Bacon.</a:t>
             </a:r>
-            <a:endParaRPr lang="en-US" sz="2000" dirty="0">
-              <a:solidFill>
-                <a:srgbClr val="8364AA">
-                  <a:lumMod val="20000"/>
-                  <a:lumOff val="80000"/>
-                </a:srgbClr>
-              </a:solidFill>
-            </a:endParaRPr>
           </a:p>
         </p:txBody>
       </p:sp>
@@ -31167,11 +31158,11 @@
   <p:clrMapOvr>
     <a:masterClrMapping/>
   </p:clrMapOvr>
-  <mc:AlternateContent xmlns:mc="http://schemas.openxmlformats.org/markup-compatibility/2006">
-    <mc:Choice xmlns:p14="http://schemas.microsoft.com/office/powerpoint/2010/main" Requires="p14">
+  <mc:AlternateContent xmlns:mc="http://schemas.openxmlformats.org/markup-compatibility/2006" xmlns:p14="http://schemas.microsoft.com/office/powerpoint/2010/main">
+    <mc:Choice Requires="p14">
       <p:transition p14:dur="0" advClick="0" advTm="13000"/>
     </mc:Choice>
-    <mc:Fallback>
+    <mc:Fallback xmlns="">
       <p:transition advClick="0" advTm="13000"/>
     </mc:Fallback>
   </mc:AlternateContent>
@@ -31516,7 +31507,6 @@
               <a:rPr lang="en-US" sz="3200" dirty="0"/>
               <a:t>Python library for data analysis </a:t>
             </a:r>
-            <a:endParaRPr lang="en-US" sz="3200" dirty="0"/>
           </a:p>
           <a:p>
             <a:pPr marL="342900" indent="-342900">
@@ -31527,7 +31517,6 @@
               <a:rPr lang="en-US" sz="3200" dirty="0"/>
               <a:t>High-performance containers for data analysis </a:t>
             </a:r>
-            <a:endParaRPr lang="en-US" sz="3200" dirty="0"/>
           </a:p>
           <a:p>
             <a:pPr marL="342900" indent="-342900">
@@ -31538,7 +31527,6 @@
               <a:rPr lang="en-US" sz="3200" dirty="0"/>
               <a:t>Data structures with a lot of functionality </a:t>
             </a:r>
-            <a:endParaRPr lang="en-US" sz="3200" dirty="0"/>
           </a:p>
           <a:p>
             <a:pPr marL="800100" lvl="1" indent="-342900">
@@ -31613,11 +31601,11 @@
   <p:clrMapOvr>
     <a:masterClrMapping/>
   </p:clrMapOvr>
-  <mc:AlternateContent xmlns:mc="http://schemas.openxmlformats.org/markup-compatibility/2006">
-    <mc:Choice xmlns:p14="http://schemas.microsoft.com/office/powerpoint/2010/main" Requires="p14">
+  <mc:AlternateContent xmlns:mc="http://schemas.openxmlformats.org/markup-compatibility/2006" xmlns:p14="http://schemas.microsoft.com/office/powerpoint/2010/main">
+    <mc:Choice Requires="p14">
       <p:transition p14:dur="0" advClick="0" advTm="15000"/>
     </mc:Choice>
-    <mc:Fallback>
+    <mc:Fallback xmlns="">
       <p:transition advClick="0" advTm="15000"/>
     </mc:Fallback>
   </mc:AlternateContent>
@@ -32061,11 +32049,11 @@
   <p:clrMapOvr>
     <a:masterClrMapping/>
   </p:clrMapOvr>
-  <mc:AlternateContent xmlns:mc="http://schemas.openxmlformats.org/markup-compatibility/2006">
-    <mc:Choice xmlns:p14="http://schemas.microsoft.com/office/powerpoint/2010/main" Requires="p14">
+  <mc:AlternateContent xmlns:mc="http://schemas.openxmlformats.org/markup-compatibility/2006" xmlns:p14="http://schemas.microsoft.com/office/powerpoint/2010/main">
+    <mc:Choice Requires="p14">
       <p:transition p14:dur="0" advClick="0" advTm="15000"/>
     </mc:Choice>
-    <mc:Fallback>
+    <mc:Fallback xmlns="">
       <p:transition advClick="0" advTm="15000"/>
     </mc:Fallback>
   </mc:AlternateContent>
@@ -32390,7 +32378,7 @@
         <p:spPr>
           <a:xfrm>
             <a:off x="1031132" y="1619870"/>
-            <a:ext cx="9883302" cy="769441"/>
+            <a:ext cx="9883302" cy="1877437"/>
           </a:xfrm>
           <a:prstGeom prst="rect">
             <a:avLst/>
@@ -32420,12 +32408,55 @@
               <a:defRPr/>
             </a:pPr>
             <a:r>
-              <a:rPr lang="en-US" sz="4400" smtClean="0">
+              <a:rPr lang="en-US" sz="4400" dirty="0" smtClean="0">
                 <a:effectLst/>
               </a:rPr>
-              <a:t>Let’s Practice!</a:t>
-            </a:r>
-            <a:endParaRPr lang="en-US" sz="4400" dirty="0">
+              <a:t>Let’s Practice</a:t>
+            </a:r>
+            <a:r>
+              <a:rPr lang="en-US" sz="4400" dirty="0" smtClean="0">
+                <a:effectLst/>
+              </a:rPr>
+              <a:t>!</a:t>
+            </a:r>
+          </a:p>
+          <a:p>
+            <a:pPr marL="457200" marR="0" lvl="0" indent="-457200" defTabSz="914400" eaLnBrk="1" fontAlgn="auto" latinLnBrk="0" hangingPunct="1">
+              <a:lnSpc>
+                <a:spcPct val="100000"/>
+              </a:lnSpc>
+              <a:spcBef>
+                <a:spcPts val="0"/>
+              </a:spcBef>
+              <a:spcAft>
+                <a:spcPts val="0"/>
+              </a:spcAft>
+              <a:buClrTx/>
+              <a:buSzTx/>
+              <a:buFont typeface="Arial" charset="0"/>
+              <a:buNone/>
+              <a:tabLst/>
+              <a:defRPr/>
+            </a:pPr>
+            <a:endParaRPr lang="en-US" sz="4400" dirty="0"/>
+          </a:p>
+          <a:p>
+            <a:pPr marL="457200" lvl="0" indent="-457200">
+              <a:defRPr/>
+            </a:pPr>
+            <a:r>
+              <a:rPr lang="en-US" sz="2800" dirty="0"/>
+              <a:t>https://</a:t>
+            </a:r>
+            <a:r>
+              <a:rPr lang="en-US" sz="2800" dirty="0" err="1"/>
+              <a:t>github.com</a:t>
+            </a:r>
+            <a:r>
+              <a:rPr lang="en-US" sz="2800" dirty="0"/>
+              <a:t>/LSU-Analytics/sql_saturday_2018</a:t>
+            </a:r>
+            <a:endParaRPr lang="en-US" sz="2800" dirty="0">
               <a:effectLst/>
             </a:endParaRPr>
           </a:p>
@@ -32441,11 +32472,11 @@
   <p:clrMapOvr>
     <a:masterClrMapping/>
   </p:clrMapOvr>
-  <mc:AlternateContent xmlns:mc="http://schemas.openxmlformats.org/markup-compatibility/2006">
-    <mc:Choice xmlns:p14="http://schemas.microsoft.com/office/powerpoint/2010/main" Requires="p14">
+  <mc:AlternateContent xmlns:mc="http://schemas.openxmlformats.org/markup-compatibility/2006" xmlns:p14="http://schemas.microsoft.com/office/powerpoint/2010/main">
+    <mc:Choice Requires="p14">
       <p:transition p14:dur="0" advClick="0" advTm="15000"/>
     </mc:Choice>
-    <mc:Fallback>
+    <mc:Fallback xmlns="">
       <p:transition advClick="0" advTm="15000"/>
     </mc:Fallback>
   </mc:AlternateContent>
@@ -32763,11 +32794,11 @@
   <p:clrMapOvr>
     <a:masterClrMapping/>
   </p:clrMapOvr>
-  <mc:AlternateContent xmlns:mc="http://schemas.openxmlformats.org/markup-compatibility/2006">
-    <mc:Choice xmlns:p14="http://schemas.microsoft.com/office/powerpoint/2010/main" Requires="p14">
+  <mc:AlternateContent xmlns:mc="http://schemas.openxmlformats.org/markup-compatibility/2006" xmlns:p14="http://schemas.microsoft.com/office/powerpoint/2010/main">
+    <mc:Choice Requires="p14">
       <p:transition p14:dur="0" advClick="0" advTm="18000"/>
     </mc:Choice>
-    <mc:Fallback>
+    <mc:Fallback xmlns="">
       <p:transition advClick="0" advTm="18000"/>
     </mc:Fallback>
   </mc:AlternateContent>
@@ -33128,11 +33159,11 @@
   <p:clrMapOvr>
     <a:masterClrMapping/>
   </p:clrMapOvr>
-  <mc:AlternateContent xmlns:mc="http://schemas.openxmlformats.org/markup-compatibility/2006">
-    <mc:Choice xmlns:p14="http://schemas.microsoft.com/office/powerpoint/2010/main" Requires="p14">
+  <mc:AlternateContent xmlns:mc="http://schemas.openxmlformats.org/markup-compatibility/2006" xmlns:p14="http://schemas.microsoft.com/office/powerpoint/2010/main">
+    <mc:Choice Requires="p14">
       <p:transition p14:dur="0" advClick="0" advTm="18000"/>
     </mc:Choice>
-    <mc:Fallback>
+    <mc:Fallback xmlns="">
       <p:transition advClick="0" advTm="18000"/>
     </mc:Fallback>
   </mc:AlternateContent>
@@ -33356,17 +33387,7 @@
                 <a:latin typeface="Georgia" panose="02040502050405020303" pitchFamily="18" charset="0"/>
                 <a:cs typeface="Arial" panose="020B0604020202020204" pitchFamily="34" charset="0"/>
               </a:rPr>
-              <a:t>  </a:t>
-            </a:r>
-            <a:r>
-              <a:rPr lang="en-US" sz="3600" b="1" kern="0" dirty="0" smtClean="0">
-                <a:solidFill>
-                  <a:srgbClr val="230040"/>
-                </a:solidFill>
-                <a:latin typeface="Georgia" panose="02040502050405020303" pitchFamily="18" charset="0"/>
-                <a:cs typeface="Arial" panose="020B0604020202020204" pitchFamily="34" charset="0"/>
-              </a:rPr>
-              <a:t>Contact</a:t>
+              <a:t>  Contact</a:t>
             </a:r>
             <a:endParaRPr lang="en-US" sz="3600" kern="0" dirty="0">
               <a:solidFill>
@@ -33624,11 +33645,7 @@
             </a:pPr>
             <a:r>
               <a:rPr lang="en-US" b="1" dirty="0" smtClean="0"/>
-              <a:t>					225-892-0230 (c</a:t>
-            </a:r>
-            <a:r>
-              <a:rPr lang="en-US" b="1" dirty="0" smtClean="0"/>
-              <a:t>)</a:t>
+              <a:t>					225-892-0230 (c)</a:t>
             </a:r>
           </a:p>
           <a:p>
@@ -33734,11 +33751,11 @@
   <p:clrMapOvr>
     <a:masterClrMapping/>
   </p:clrMapOvr>
-  <mc:AlternateContent xmlns:mc="http://schemas.openxmlformats.org/markup-compatibility/2006">
-    <mc:Choice xmlns:p14="http://schemas.microsoft.com/office/powerpoint/2010/main" Requires="p14">
+  <mc:AlternateContent xmlns:mc="http://schemas.openxmlformats.org/markup-compatibility/2006" xmlns:p14="http://schemas.microsoft.com/office/powerpoint/2010/main">
+    <mc:Choice Requires="p14">
       <p:transition p14:dur="0" advClick="0" advTm="17000"/>
     </mc:Choice>
-    <mc:Fallback>
+    <mc:Fallback xmlns="">
       <p:transition advClick="0" advTm="17000"/>
     </mc:Fallback>
   </mc:AlternateContent>
